--- a/ppt 16-9/0778.进深进深.pptx
+++ b/ppt 16-9/0778.进深进深.pptx
@@ -129,7 +129,7 @@
           <p:cNvPr id="2" name="标题 1">
             <a:extLst>
               <a:ext uri="{FF2B5EF4-FFF2-40B4-BE49-F238E27FC236}">
-                <a16:creationId xmlns:a16="http://schemas.microsoft.com/office/drawing/2014/main" id="{2DE8950A-2C95-1965-B1E9-EE87082C35D7}"/>
+                <a16:creationId xmlns:a16="http://schemas.microsoft.com/office/drawing/2014/main" id="{11220165-6695-20A4-2DF6-88FEDC0CA114}"/>
               </a:ext>
             </a:extLst>
           </p:cNvPr>
@@ -166,7 +166,7 @@
           <p:cNvPr id="3" name="副标题 2">
             <a:extLst>
               <a:ext uri="{FF2B5EF4-FFF2-40B4-BE49-F238E27FC236}">
-                <a16:creationId xmlns:a16="http://schemas.microsoft.com/office/drawing/2014/main" id="{DE59779A-95C2-2345-F8E7-CBFA21784D2A}"/>
+                <a16:creationId xmlns:a16="http://schemas.microsoft.com/office/drawing/2014/main" id="{49B1DEFA-91F3-2DEF-E198-37EFD32A69F2}"/>
               </a:ext>
             </a:extLst>
           </p:cNvPr>
@@ -236,7 +236,7 @@
           <p:cNvPr id="4" name="日期占位符 3">
             <a:extLst>
               <a:ext uri="{FF2B5EF4-FFF2-40B4-BE49-F238E27FC236}">
-                <a16:creationId xmlns:a16="http://schemas.microsoft.com/office/drawing/2014/main" id="{DE578C43-CD32-EE10-11D0-E27E28D54CBF}"/>
+                <a16:creationId xmlns:a16="http://schemas.microsoft.com/office/drawing/2014/main" id="{8974003E-6151-6D35-1FF8-8883C3D5B59C}"/>
               </a:ext>
             </a:extLst>
           </p:cNvPr>
@@ -252,7 +252,7 @@
           <a:bodyPr/>
           <a:lstStyle/>
           <a:p>
-            <a:fld id="{AA78EA71-7878-477C-8611-BCBF45A12E57}" type="datetimeFigureOut">
+            <a:fld id="{B464C0B6-8075-452B-812F-6537DB222A3C}" type="datetimeFigureOut">
               <a:rPr lang="zh-CN" altLang="en-US" smtClean="0"/>
               <a:t>2024/3/10</a:t>
             </a:fld>
@@ -265,7 +265,7 @@
           <p:cNvPr id="5" name="页脚占位符 4">
             <a:extLst>
               <a:ext uri="{FF2B5EF4-FFF2-40B4-BE49-F238E27FC236}">
-                <a16:creationId xmlns:a16="http://schemas.microsoft.com/office/drawing/2014/main" id="{552A3054-6097-AD49-DAC2-02B083BF2345}"/>
+                <a16:creationId xmlns:a16="http://schemas.microsoft.com/office/drawing/2014/main" id="{5C94B49B-9402-F7FF-011B-B16C7249A552}"/>
               </a:ext>
             </a:extLst>
           </p:cNvPr>
@@ -290,7 +290,7 @@
           <p:cNvPr id="6" name="灯片编号占位符 5">
             <a:extLst>
               <a:ext uri="{FF2B5EF4-FFF2-40B4-BE49-F238E27FC236}">
-                <a16:creationId xmlns:a16="http://schemas.microsoft.com/office/drawing/2014/main" id="{EAD66F93-4BAF-5437-7953-C1D2E9486C01}"/>
+                <a16:creationId xmlns:a16="http://schemas.microsoft.com/office/drawing/2014/main" id="{03245177-E4C3-1DD0-71D8-22447DBA00C1}"/>
               </a:ext>
             </a:extLst>
           </p:cNvPr>
@@ -306,7 +306,7 @@
           <a:bodyPr/>
           <a:lstStyle/>
           <a:p>
-            <a:fld id="{449842C2-5904-463D-A2CD-9F1E85D362E7}" type="slidenum">
+            <a:fld id="{FBD0DCAF-DB4A-430F-BBC3-AC4AC5EFB682}" type="slidenum">
               <a:rPr lang="zh-CN" altLang="en-US" smtClean="0"/>
               <a:t>‹#›</a:t>
             </a:fld>
@@ -317,7 +317,7 @@
     </p:spTree>
     <p:extLst>
       <p:ext uri="{BB962C8B-B14F-4D97-AF65-F5344CB8AC3E}">
-        <p14:creationId xmlns:p14="http://schemas.microsoft.com/office/powerpoint/2010/main" val="442754059"/>
+        <p14:creationId xmlns:p14="http://schemas.microsoft.com/office/powerpoint/2010/main" val="291873070"/>
       </p:ext>
     </p:extLst>
   </p:cSld>
@@ -349,7 +349,7 @@
           <p:cNvPr id="2" name="标题 1">
             <a:extLst>
               <a:ext uri="{FF2B5EF4-FFF2-40B4-BE49-F238E27FC236}">
-                <a16:creationId xmlns:a16="http://schemas.microsoft.com/office/drawing/2014/main" id="{C4E535BF-1764-9916-8A4C-DDC226241F0C}"/>
+                <a16:creationId xmlns:a16="http://schemas.microsoft.com/office/drawing/2014/main" id="{CE495A42-98BB-9605-9CF5-602BC9A07AD7}"/>
               </a:ext>
             </a:extLst>
           </p:cNvPr>
@@ -377,7 +377,7 @@
           <p:cNvPr id="3" name="竖排文字占位符 2">
             <a:extLst>
               <a:ext uri="{FF2B5EF4-FFF2-40B4-BE49-F238E27FC236}">
-                <a16:creationId xmlns:a16="http://schemas.microsoft.com/office/drawing/2014/main" id="{DE8D1700-2846-D9E2-6745-85978B53ED22}"/>
+                <a16:creationId xmlns:a16="http://schemas.microsoft.com/office/drawing/2014/main" id="{8BE80558-3B1A-1BAB-FBAF-60F31BD30CC1}"/>
               </a:ext>
             </a:extLst>
           </p:cNvPr>
@@ -434,7 +434,7 @@
           <p:cNvPr id="4" name="日期占位符 3">
             <a:extLst>
               <a:ext uri="{FF2B5EF4-FFF2-40B4-BE49-F238E27FC236}">
-                <a16:creationId xmlns:a16="http://schemas.microsoft.com/office/drawing/2014/main" id="{D9DE0A0B-EEE5-C3EE-244C-42BACAC1E603}"/>
+                <a16:creationId xmlns:a16="http://schemas.microsoft.com/office/drawing/2014/main" id="{1BAC938D-7E3E-6866-78B5-4EF665AF2C41}"/>
               </a:ext>
             </a:extLst>
           </p:cNvPr>
@@ -450,7 +450,7 @@
           <a:bodyPr/>
           <a:lstStyle/>
           <a:p>
-            <a:fld id="{AA78EA71-7878-477C-8611-BCBF45A12E57}" type="datetimeFigureOut">
+            <a:fld id="{B464C0B6-8075-452B-812F-6537DB222A3C}" type="datetimeFigureOut">
               <a:rPr lang="zh-CN" altLang="en-US" smtClean="0"/>
               <a:t>2024/3/10</a:t>
             </a:fld>
@@ -463,7 +463,7 @@
           <p:cNvPr id="5" name="页脚占位符 4">
             <a:extLst>
               <a:ext uri="{FF2B5EF4-FFF2-40B4-BE49-F238E27FC236}">
-                <a16:creationId xmlns:a16="http://schemas.microsoft.com/office/drawing/2014/main" id="{79806DE4-199D-E7F7-F72D-91D9CD0178F0}"/>
+                <a16:creationId xmlns:a16="http://schemas.microsoft.com/office/drawing/2014/main" id="{102E52F2-548D-5F28-282B-7724B931D745}"/>
               </a:ext>
             </a:extLst>
           </p:cNvPr>
@@ -488,7 +488,7 @@
           <p:cNvPr id="6" name="灯片编号占位符 5">
             <a:extLst>
               <a:ext uri="{FF2B5EF4-FFF2-40B4-BE49-F238E27FC236}">
-                <a16:creationId xmlns:a16="http://schemas.microsoft.com/office/drawing/2014/main" id="{BCA5DB18-B924-E801-B0F5-B20991A9CAAF}"/>
+                <a16:creationId xmlns:a16="http://schemas.microsoft.com/office/drawing/2014/main" id="{94BC232E-AD28-79C0-8106-4B5D1E1D5AE0}"/>
               </a:ext>
             </a:extLst>
           </p:cNvPr>
@@ -504,7 +504,7 @@
           <a:bodyPr/>
           <a:lstStyle/>
           <a:p>
-            <a:fld id="{449842C2-5904-463D-A2CD-9F1E85D362E7}" type="slidenum">
+            <a:fld id="{FBD0DCAF-DB4A-430F-BBC3-AC4AC5EFB682}" type="slidenum">
               <a:rPr lang="zh-CN" altLang="en-US" smtClean="0"/>
               <a:t>‹#›</a:t>
             </a:fld>
@@ -515,7 +515,7 @@
     </p:spTree>
     <p:extLst>
       <p:ext uri="{BB962C8B-B14F-4D97-AF65-F5344CB8AC3E}">
-        <p14:creationId xmlns:p14="http://schemas.microsoft.com/office/powerpoint/2010/main" val="4189354880"/>
+        <p14:creationId xmlns:p14="http://schemas.microsoft.com/office/powerpoint/2010/main" val="2271078409"/>
       </p:ext>
     </p:extLst>
   </p:cSld>
@@ -547,7 +547,7 @@
           <p:cNvPr id="2" name="竖排标题 1">
             <a:extLst>
               <a:ext uri="{FF2B5EF4-FFF2-40B4-BE49-F238E27FC236}">
-                <a16:creationId xmlns:a16="http://schemas.microsoft.com/office/drawing/2014/main" id="{95158769-399B-EDA0-2613-6D86194F76DB}"/>
+                <a16:creationId xmlns:a16="http://schemas.microsoft.com/office/drawing/2014/main" id="{120B8FB2-8899-A3F8-2AC6-1AB04E465A7B}"/>
               </a:ext>
             </a:extLst>
           </p:cNvPr>
@@ -580,7 +580,7 @@
           <p:cNvPr id="3" name="竖排文字占位符 2">
             <a:extLst>
               <a:ext uri="{FF2B5EF4-FFF2-40B4-BE49-F238E27FC236}">
-                <a16:creationId xmlns:a16="http://schemas.microsoft.com/office/drawing/2014/main" id="{DD5EDA98-7ADA-56F8-BE1D-BB4D347E1049}"/>
+                <a16:creationId xmlns:a16="http://schemas.microsoft.com/office/drawing/2014/main" id="{B4C4197F-1484-4574-CCE6-CD6C77445EA3}"/>
               </a:ext>
             </a:extLst>
           </p:cNvPr>
@@ -642,7 +642,7 @@
           <p:cNvPr id="4" name="日期占位符 3">
             <a:extLst>
               <a:ext uri="{FF2B5EF4-FFF2-40B4-BE49-F238E27FC236}">
-                <a16:creationId xmlns:a16="http://schemas.microsoft.com/office/drawing/2014/main" id="{3CBC10F9-ECF7-7C65-7861-52281E39C677}"/>
+                <a16:creationId xmlns:a16="http://schemas.microsoft.com/office/drawing/2014/main" id="{FA089FC0-4FCB-440A-FEBC-FFE5FE95EF18}"/>
               </a:ext>
             </a:extLst>
           </p:cNvPr>
@@ -658,7 +658,7 @@
           <a:bodyPr/>
           <a:lstStyle/>
           <a:p>
-            <a:fld id="{AA78EA71-7878-477C-8611-BCBF45A12E57}" type="datetimeFigureOut">
+            <a:fld id="{B464C0B6-8075-452B-812F-6537DB222A3C}" type="datetimeFigureOut">
               <a:rPr lang="zh-CN" altLang="en-US" smtClean="0"/>
               <a:t>2024/3/10</a:t>
             </a:fld>
@@ -671,7 +671,7 @@
           <p:cNvPr id="5" name="页脚占位符 4">
             <a:extLst>
               <a:ext uri="{FF2B5EF4-FFF2-40B4-BE49-F238E27FC236}">
-                <a16:creationId xmlns:a16="http://schemas.microsoft.com/office/drawing/2014/main" id="{321F5A1E-0CCC-8BA8-DCD4-A7B5501C2C51}"/>
+                <a16:creationId xmlns:a16="http://schemas.microsoft.com/office/drawing/2014/main" id="{1B1E459D-ABAF-D43E-305F-5FAB38DEA625}"/>
               </a:ext>
             </a:extLst>
           </p:cNvPr>
@@ -696,7 +696,7 @@
           <p:cNvPr id="6" name="灯片编号占位符 5">
             <a:extLst>
               <a:ext uri="{FF2B5EF4-FFF2-40B4-BE49-F238E27FC236}">
-                <a16:creationId xmlns:a16="http://schemas.microsoft.com/office/drawing/2014/main" id="{24E42CF4-BFD6-5E9D-D3F2-BE8933C6FB5D}"/>
+                <a16:creationId xmlns:a16="http://schemas.microsoft.com/office/drawing/2014/main" id="{EC466893-4CB5-16C4-12DD-E839C539EF57}"/>
               </a:ext>
             </a:extLst>
           </p:cNvPr>
@@ -712,7 +712,7 @@
           <a:bodyPr/>
           <a:lstStyle/>
           <a:p>
-            <a:fld id="{449842C2-5904-463D-A2CD-9F1E85D362E7}" type="slidenum">
+            <a:fld id="{FBD0DCAF-DB4A-430F-BBC3-AC4AC5EFB682}" type="slidenum">
               <a:rPr lang="zh-CN" altLang="en-US" smtClean="0"/>
               <a:t>‹#›</a:t>
             </a:fld>
@@ -723,7 +723,7 @@
     </p:spTree>
     <p:extLst>
       <p:ext uri="{BB962C8B-B14F-4D97-AF65-F5344CB8AC3E}">
-        <p14:creationId xmlns:p14="http://schemas.microsoft.com/office/powerpoint/2010/main" val="4216474213"/>
+        <p14:creationId xmlns:p14="http://schemas.microsoft.com/office/powerpoint/2010/main" val="829254080"/>
       </p:ext>
     </p:extLst>
   </p:cSld>
@@ -755,7 +755,7 @@
           <p:cNvPr id="2" name="标题 1">
             <a:extLst>
               <a:ext uri="{FF2B5EF4-FFF2-40B4-BE49-F238E27FC236}">
-                <a16:creationId xmlns:a16="http://schemas.microsoft.com/office/drawing/2014/main" id="{A13A0A01-3B8B-C162-810E-2613CB98D3A4}"/>
+                <a16:creationId xmlns:a16="http://schemas.microsoft.com/office/drawing/2014/main" id="{37243F10-491A-E343-A3F5-DD5A4296E861}"/>
               </a:ext>
             </a:extLst>
           </p:cNvPr>
@@ -783,7 +783,7 @@
           <p:cNvPr id="3" name="内容占位符 2">
             <a:extLst>
               <a:ext uri="{FF2B5EF4-FFF2-40B4-BE49-F238E27FC236}">
-                <a16:creationId xmlns:a16="http://schemas.microsoft.com/office/drawing/2014/main" id="{EAABD61C-8426-B9DC-853F-A769C482D413}"/>
+                <a16:creationId xmlns:a16="http://schemas.microsoft.com/office/drawing/2014/main" id="{1F5691A7-DD94-311D-505C-E2B5BB0723DA}"/>
               </a:ext>
             </a:extLst>
           </p:cNvPr>
@@ -840,7 +840,7 @@
           <p:cNvPr id="4" name="日期占位符 3">
             <a:extLst>
               <a:ext uri="{FF2B5EF4-FFF2-40B4-BE49-F238E27FC236}">
-                <a16:creationId xmlns:a16="http://schemas.microsoft.com/office/drawing/2014/main" id="{746C2A23-D353-265F-69CC-F0BC06806853}"/>
+                <a16:creationId xmlns:a16="http://schemas.microsoft.com/office/drawing/2014/main" id="{DCB9A592-3CD7-08C9-8C83-9B1A33988957}"/>
               </a:ext>
             </a:extLst>
           </p:cNvPr>
@@ -856,7 +856,7 @@
           <a:bodyPr/>
           <a:lstStyle/>
           <a:p>
-            <a:fld id="{AA78EA71-7878-477C-8611-BCBF45A12E57}" type="datetimeFigureOut">
+            <a:fld id="{B464C0B6-8075-452B-812F-6537DB222A3C}" type="datetimeFigureOut">
               <a:rPr lang="zh-CN" altLang="en-US" smtClean="0"/>
               <a:t>2024/3/10</a:t>
             </a:fld>
@@ -869,7 +869,7 @@
           <p:cNvPr id="5" name="页脚占位符 4">
             <a:extLst>
               <a:ext uri="{FF2B5EF4-FFF2-40B4-BE49-F238E27FC236}">
-                <a16:creationId xmlns:a16="http://schemas.microsoft.com/office/drawing/2014/main" id="{FA1EB40C-CC00-0878-5D08-F249A280C496}"/>
+                <a16:creationId xmlns:a16="http://schemas.microsoft.com/office/drawing/2014/main" id="{AF4145F2-726E-2C5D-A802-E4F6FDF4FA5D}"/>
               </a:ext>
             </a:extLst>
           </p:cNvPr>
@@ -894,7 +894,7 @@
           <p:cNvPr id="6" name="灯片编号占位符 5">
             <a:extLst>
               <a:ext uri="{FF2B5EF4-FFF2-40B4-BE49-F238E27FC236}">
-                <a16:creationId xmlns:a16="http://schemas.microsoft.com/office/drawing/2014/main" id="{EA0EA0EF-2A54-59C5-82F7-2BE4E137F159}"/>
+                <a16:creationId xmlns:a16="http://schemas.microsoft.com/office/drawing/2014/main" id="{4CA6DA53-BB92-15F9-D226-8DAEF80FA1FB}"/>
               </a:ext>
             </a:extLst>
           </p:cNvPr>
@@ -910,7 +910,7 @@
           <a:bodyPr/>
           <a:lstStyle/>
           <a:p>
-            <a:fld id="{449842C2-5904-463D-A2CD-9F1E85D362E7}" type="slidenum">
+            <a:fld id="{FBD0DCAF-DB4A-430F-BBC3-AC4AC5EFB682}" type="slidenum">
               <a:rPr lang="zh-CN" altLang="en-US" smtClean="0"/>
               <a:t>‹#›</a:t>
             </a:fld>
@@ -921,7 +921,7 @@
     </p:spTree>
     <p:extLst>
       <p:ext uri="{BB962C8B-B14F-4D97-AF65-F5344CB8AC3E}">
-        <p14:creationId xmlns:p14="http://schemas.microsoft.com/office/powerpoint/2010/main" val="3405461847"/>
+        <p14:creationId xmlns:p14="http://schemas.microsoft.com/office/powerpoint/2010/main" val="1074678643"/>
       </p:ext>
     </p:extLst>
   </p:cSld>
@@ -953,7 +953,7 @@
           <p:cNvPr id="2" name="标题 1">
             <a:extLst>
               <a:ext uri="{FF2B5EF4-FFF2-40B4-BE49-F238E27FC236}">
-                <a16:creationId xmlns:a16="http://schemas.microsoft.com/office/drawing/2014/main" id="{C9EB28FF-B423-B7E6-FB0B-1CFBBDDEDD4A}"/>
+                <a16:creationId xmlns:a16="http://schemas.microsoft.com/office/drawing/2014/main" id="{F9A5F8F9-1EFF-D685-4649-C7BE2717710E}"/>
               </a:ext>
             </a:extLst>
           </p:cNvPr>
@@ -990,7 +990,7 @@
           <p:cNvPr id="3" name="文本占位符 2">
             <a:extLst>
               <a:ext uri="{FF2B5EF4-FFF2-40B4-BE49-F238E27FC236}">
-                <a16:creationId xmlns:a16="http://schemas.microsoft.com/office/drawing/2014/main" id="{8E8A5980-B822-C6CD-E59D-18AFC3B5FECD}"/>
+                <a16:creationId xmlns:a16="http://schemas.microsoft.com/office/drawing/2014/main" id="{A04BA05C-14FE-08D0-E17B-93DB395EB6B0}"/>
               </a:ext>
             </a:extLst>
           </p:cNvPr>
@@ -1115,7 +1115,7 @@
           <p:cNvPr id="4" name="日期占位符 3">
             <a:extLst>
               <a:ext uri="{FF2B5EF4-FFF2-40B4-BE49-F238E27FC236}">
-                <a16:creationId xmlns:a16="http://schemas.microsoft.com/office/drawing/2014/main" id="{BC3EE0C6-4DAF-2D20-0C40-03050E3E7367}"/>
+                <a16:creationId xmlns:a16="http://schemas.microsoft.com/office/drawing/2014/main" id="{50F3E59F-A151-B60C-D755-5BF05A3D62BB}"/>
               </a:ext>
             </a:extLst>
           </p:cNvPr>
@@ -1131,7 +1131,7 @@
           <a:bodyPr/>
           <a:lstStyle/>
           <a:p>
-            <a:fld id="{AA78EA71-7878-477C-8611-BCBF45A12E57}" type="datetimeFigureOut">
+            <a:fld id="{B464C0B6-8075-452B-812F-6537DB222A3C}" type="datetimeFigureOut">
               <a:rPr lang="zh-CN" altLang="en-US" smtClean="0"/>
               <a:t>2024/3/10</a:t>
             </a:fld>
@@ -1144,7 +1144,7 @@
           <p:cNvPr id="5" name="页脚占位符 4">
             <a:extLst>
               <a:ext uri="{FF2B5EF4-FFF2-40B4-BE49-F238E27FC236}">
-                <a16:creationId xmlns:a16="http://schemas.microsoft.com/office/drawing/2014/main" id="{C2E65680-575F-9C46-D45F-57057B808EDB}"/>
+                <a16:creationId xmlns:a16="http://schemas.microsoft.com/office/drawing/2014/main" id="{D5B47088-1018-E5C9-1729-A12445DB62CC}"/>
               </a:ext>
             </a:extLst>
           </p:cNvPr>
@@ -1169,7 +1169,7 @@
           <p:cNvPr id="6" name="灯片编号占位符 5">
             <a:extLst>
               <a:ext uri="{FF2B5EF4-FFF2-40B4-BE49-F238E27FC236}">
-                <a16:creationId xmlns:a16="http://schemas.microsoft.com/office/drawing/2014/main" id="{B1229C77-937B-931C-5E43-7361ADE1C2A2}"/>
+                <a16:creationId xmlns:a16="http://schemas.microsoft.com/office/drawing/2014/main" id="{ED558B1D-C8BC-5BA6-5A6C-EB81C85AAE66}"/>
               </a:ext>
             </a:extLst>
           </p:cNvPr>
@@ -1185,7 +1185,7 @@
           <a:bodyPr/>
           <a:lstStyle/>
           <a:p>
-            <a:fld id="{449842C2-5904-463D-A2CD-9F1E85D362E7}" type="slidenum">
+            <a:fld id="{FBD0DCAF-DB4A-430F-BBC3-AC4AC5EFB682}" type="slidenum">
               <a:rPr lang="zh-CN" altLang="en-US" smtClean="0"/>
               <a:t>‹#›</a:t>
             </a:fld>
@@ -1196,7 +1196,7 @@
     </p:spTree>
     <p:extLst>
       <p:ext uri="{BB962C8B-B14F-4D97-AF65-F5344CB8AC3E}">
-        <p14:creationId xmlns:p14="http://schemas.microsoft.com/office/powerpoint/2010/main" val="1040544402"/>
+        <p14:creationId xmlns:p14="http://schemas.microsoft.com/office/powerpoint/2010/main" val="3859499430"/>
       </p:ext>
     </p:extLst>
   </p:cSld>
@@ -1228,7 +1228,7 @@
           <p:cNvPr id="2" name="标题 1">
             <a:extLst>
               <a:ext uri="{FF2B5EF4-FFF2-40B4-BE49-F238E27FC236}">
-                <a16:creationId xmlns:a16="http://schemas.microsoft.com/office/drawing/2014/main" id="{3C01D04F-F095-17CC-F31D-93FCC85AF2E8}"/>
+                <a16:creationId xmlns:a16="http://schemas.microsoft.com/office/drawing/2014/main" id="{D0BDE545-314F-C758-5934-E9067656C84B}"/>
               </a:ext>
             </a:extLst>
           </p:cNvPr>
@@ -1256,7 +1256,7 @@
           <p:cNvPr id="3" name="内容占位符 2">
             <a:extLst>
               <a:ext uri="{FF2B5EF4-FFF2-40B4-BE49-F238E27FC236}">
-                <a16:creationId xmlns:a16="http://schemas.microsoft.com/office/drawing/2014/main" id="{46199C60-60C2-3592-1637-2AD54405BCF8}"/>
+                <a16:creationId xmlns:a16="http://schemas.microsoft.com/office/drawing/2014/main" id="{19D43A34-B8E3-2329-6D86-909A8CAC92E0}"/>
               </a:ext>
             </a:extLst>
           </p:cNvPr>
@@ -1318,7 +1318,7 @@
           <p:cNvPr id="4" name="内容占位符 3">
             <a:extLst>
               <a:ext uri="{FF2B5EF4-FFF2-40B4-BE49-F238E27FC236}">
-                <a16:creationId xmlns:a16="http://schemas.microsoft.com/office/drawing/2014/main" id="{9D3CB91C-C488-C36A-B35A-76CED9F76A0F}"/>
+                <a16:creationId xmlns:a16="http://schemas.microsoft.com/office/drawing/2014/main" id="{07A0F9E5-306A-FB79-963E-CD74E5F2E185}"/>
               </a:ext>
             </a:extLst>
           </p:cNvPr>
@@ -1380,7 +1380,7 @@
           <p:cNvPr id="5" name="日期占位符 4">
             <a:extLst>
               <a:ext uri="{FF2B5EF4-FFF2-40B4-BE49-F238E27FC236}">
-                <a16:creationId xmlns:a16="http://schemas.microsoft.com/office/drawing/2014/main" id="{14552BFE-A287-915B-AC67-5EE94354A691}"/>
+                <a16:creationId xmlns:a16="http://schemas.microsoft.com/office/drawing/2014/main" id="{63B86F8E-F378-F3F7-E781-719FA482B302}"/>
               </a:ext>
             </a:extLst>
           </p:cNvPr>
@@ -1396,7 +1396,7 @@
           <a:bodyPr/>
           <a:lstStyle/>
           <a:p>
-            <a:fld id="{AA78EA71-7878-477C-8611-BCBF45A12E57}" type="datetimeFigureOut">
+            <a:fld id="{B464C0B6-8075-452B-812F-6537DB222A3C}" type="datetimeFigureOut">
               <a:rPr lang="zh-CN" altLang="en-US" smtClean="0"/>
               <a:t>2024/3/10</a:t>
             </a:fld>
@@ -1409,7 +1409,7 @@
           <p:cNvPr id="6" name="页脚占位符 5">
             <a:extLst>
               <a:ext uri="{FF2B5EF4-FFF2-40B4-BE49-F238E27FC236}">
-                <a16:creationId xmlns:a16="http://schemas.microsoft.com/office/drawing/2014/main" id="{BB4F12C3-50EC-38CA-50D8-7ECA022516E8}"/>
+                <a16:creationId xmlns:a16="http://schemas.microsoft.com/office/drawing/2014/main" id="{C330240F-5E43-90BF-2D69-451AE645A354}"/>
               </a:ext>
             </a:extLst>
           </p:cNvPr>
@@ -1434,7 +1434,7 @@
           <p:cNvPr id="7" name="灯片编号占位符 6">
             <a:extLst>
               <a:ext uri="{FF2B5EF4-FFF2-40B4-BE49-F238E27FC236}">
-                <a16:creationId xmlns:a16="http://schemas.microsoft.com/office/drawing/2014/main" id="{21C38B1A-146A-B3D7-6D44-FB295777BFEF}"/>
+                <a16:creationId xmlns:a16="http://schemas.microsoft.com/office/drawing/2014/main" id="{4DE3CF14-5AAC-90CD-1571-9EF7F8CBF203}"/>
               </a:ext>
             </a:extLst>
           </p:cNvPr>
@@ -1450,7 +1450,7 @@
           <a:bodyPr/>
           <a:lstStyle/>
           <a:p>
-            <a:fld id="{449842C2-5904-463D-A2CD-9F1E85D362E7}" type="slidenum">
+            <a:fld id="{FBD0DCAF-DB4A-430F-BBC3-AC4AC5EFB682}" type="slidenum">
               <a:rPr lang="zh-CN" altLang="en-US" smtClean="0"/>
               <a:t>‹#›</a:t>
             </a:fld>
@@ -1461,7 +1461,7 @@
     </p:spTree>
     <p:extLst>
       <p:ext uri="{BB962C8B-B14F-4D97-AF65-F5344CB8AC3E}">
-        <p14:creationId xmlns:p14="http://schemas.microsoft.com/office/powerpoint/2010/main" val="3043270683"/>
+        <p14:creationId xmlns:p14="http://schemas.microsoft.com/office/powerpoint/2010/main" val="840161536"/>
       </p:ext>
     </p:extLst>
   </p:cSld>
@@ -1493,7 +1493,7 @@
           <p:cNvPr id="2" name="标题 1">
             <a:extLst>
               <a:ext uri="{FF2B5EF4-FFF2-40B4-BE49-F238E27FC236}">
-                <a16:creationId xmlns:a16="http://schemas.microsoft.com/office/drawing/2014/main" id="{FDDCB31F-501D-D367-E802-ED15D6F8BD3E}"/>
+                <a16:creationId xmlns:a16="http://schemas.microsoft.com/office/drawing/2014/main" id="{392F0217-B760-7B70-227B-3F47DCE00DC6}"/>
               </a:ext>
             </a:extLst>
           </p:cNvPr>
@@ -1526,7 +1526,7 @@
           <p:cNvPr id="3" name="文本占位符 2">
             <a:extLst>
               <a:ext uri="{FF2B5EF4-FFF2-40B4-BE49-F238E27FC236}">
-                <a16:creationId xmlns:a16="http://schemas.microsoft.com/office/drawing/2014/main" id="{C53C1576-4E10-3DA8-118B-D9DED766D5A9}"/>
+                <a16:creationId xmlns:a16="http://schemas.microsoft.com/office/drawing/2014/main" id="{F32F2226-2D29-798B-0C4A-3B79D6250BD9}"/>
               </a:ext>
             </a:extLst>
           </p:cNvPr>
@@ -1597,7 +1597,7 @@
           <p:cNvPr id="4" name="内容占位符 3">
             <a:extLst>
               <a:ext uri="{FF2B5EF4-FFF2-40B4-BE49-F238E27FC236}">
-                <a16:creationId xmlns:a16="http://schemas.microsoft.com/office/drawing/2014/main" id="{72E133FF-4DC7-D3B1-7E63-B2E576F5BEBC}"/>
+                <a16:creationId xmlns:a16="http://schemas.microsoft.com/office/drawing/2014/main" id="{3EFD0A17-6F01-2350-F940-53AC1C06CAC9}"/>
               </a:ext>
             </a:extLst>
           </p:cNvPr>
@@ -1659,7 +1659,7 @@
           <p:cNvPr id="5" name="文本占位符 4">
             <a:extLst>
               <a:ext uri="{FF2B5EF4-FFF2-40B4-BE49-F238E27FC236}">
-                <a16:creationId xmlns:a16="http://schemas.microsoft.com/office/drawing/2014/main" id="{F9596C57-E3C3-0137-2FE0-C14A12F61FDA}"/>
+                <a16:creationId xmlns:a16="http://schemas.microsoft.com/office/drawing/2014/main" id="{71DB2763-61FF-2E6C-FD78-D2FDF43A27AF}"/>
               </a:ext>
             </a:extLst>
           </p:cNvPr>
@@ -1730,7 +1730,7 @@
           <p:cNvPr id="6" name="内容占位符 5">
             <a:extLst>
               <a:ext uri="{FF2B5EF4-FFF2-40B4-BE49-F238E27FC236}">
-                <a16:creationId xmlns:a16="http://schemas.microsoft.com/office/drawing/2014/main" id="{522F8DB8-6420-E96A-77FE-AE15B78A73A9}"/>
+                <a16:creationId xmlns:a16="http://schemas.microsoft.com/office/drawing/2014/main" id="{56AF0C97-C72E-E202-BE9E-F4DD838C8A7E}"/>
               </a:ext>
             </a:extLst>
           </p:cNvPr>
@@ -1792,7 +1792,7 @@
           <p:cNvPr id="7" name="日期占位符 6">
             <a:extLst>
               <a:ext uri="{FF2B5EF4-FFF2-40B4-BE49-F238E27FC236}">
-                <a16:creationId xmlns:a16="http://schemas.microsoft.com/office/drawing/2014/main" id="{C853F955-12E7-1E44-8816-B3A644C21F50}"/>
+                <a16:creationId xmlns:a16="http://schemas.microsoft.com/office/drawing/2014/main" id="{00136435-6AAA-E8C3-78B6-24B38F7EEF43}"/>
               </a:ext>
             </a:extLst>
           </p:cNvPr>
@@ -1808,7 +1808,7 @@
           <a:bodyPr/>
           <a:lstStyle/>
           <a:p>
-            <a:fld id="{AA78EA71-7878-477C-8611-BCBF45A12E57}" type="datetimeFigureOut">
+            <a:fld id="{B464C0B6-8075-452B-812F-6537DB222A3C}" type="datetimeFigureOut">
               <a:rPr lang="zh-CN" altLang="en-US" smtClean="0"/>
               <a:t>2024/3/10</a:t>
             </a:fld>
@@ -1821,7 +1821,7 @@
           <p:cNvPr id="8" name="页脚占位符 7">
             <a:extLst>
               <a:ext uri="{FF2B5EF4-FFF2-40B4-BE49-F238E27FC236}">
-                <a16:creationId xmlns:a16="http://schemas.microsoft.com/office/drawing/2014/main" id="{4E72EC2B-6EBC-40A4-8667-AE31E9EFBD8B}"/>
+                <a16:creationId xmlns:a16="http://schemas.microsoft.com/office/drawing/2014/main" id="{8DD963B0-2CA0-0956-6540-ADB3BFA7E9BB}"/>
               </a:ext>
             </a:extLst>
           </p:cNvPr>
@@ -1846,7 +1846,7 @@
           <p:cNvPr id="9" name="灯片编号占位符 8">
             <a:extLst>
               <a:ext uri="{FF2B5EF4-FFF2-40B4-BE49-F238E27FC236}">
-                <a16:creationId xmlns:a16="http://schemas.microsoft.com/office/drawing/2014/main" id="{BA36A38E-5009-9E19-B416-6B096D42BB02}"/>
+                <a16:creationId xmlns:a16="http://schemas.microsoft.com/office/drawing/2014/main" id="{C69367AE-2012-9E85-4210-EAD2DB51DB75}"/>
               </a:ext>
             </a:extLst>
           </p:cNvPr>
@@ -1862,7 +1862,7 @@
           <a:bodyPr/>
           <a:lstStyle/>
           <a:p>
-            <a:fld id="{449842C2-5904-463D-A2CD-9F1E85D362E7}" type="slidenum">
+            <a:fld id="{FBD0DCAF-DB4A-430F-BBC3-AC4AC5EFB682}" type="slidenum">
               <a:rPr lang="zh-CN" altLang="en-US" smtClean="0"/>
               <a:t>‹#›</a:t>
             </a:fld>
@@ -1873,7 +1873,7 @@
     </p:spTree>
     <p:extLst>
       <p:ext uri="{BB962C8B-B14F-4D97-AF65-F5344CB8AC3E}">
-        <p14:creationId xmlns:p14="http://schemas.microsoft.com/office/powerpoint/2010/main" val="2091960760"/>
+        <p14:creationId xmlns:p14="http://schemas.microsoft.com/office/powerpoint/2010/main" val="237190074"/>
       </p:ext>
     </p:extLst>
   </p:cSld>
@@ -1905,7 +1905,7 @@
           <p:cNvPr id="2" name="标题 1">
             <a:extLst>
               <a:ext uri="{FF2B5EF4-FFF2-40B4-BE49-F238E27FC236}">
-                <a16:creationId xmlns:a16="http://schemas.microsoft.com/office/drawing/2014/main" id="{24B64E75-787B-87C8-4DEE-A0EA27D9B27D}"/>
+                <a16:creationId xmlns:a16="http://schemas.microsoft.com/office/drawing/2014/main" id="{28496FAD-63D0-0CA6-00D0-E70218D1F923}"/>
               </a:ext>
             </a:extLst>
           </p:cNvPr>
@@ -1933,7 +1933,7 @@
           <p:cNvPr id="3" name="日期占位符 2">
             <a:extLst>
               <a:ext uri="{FF2B5EF4-FFF2-40B4-BE49-F238E27FC236}">
-                <a16:creationId xmlns:a16="http://schemas.microsoft.com/office/drawing/2014/main" id="{C0707344-4468-147B-4949-566E00080209}"/>
+                <a16:creationId xmlns:a16="http://schemas.microsoft.com/office/drawing/2014/main" id="{B1C8AADB-FBB2-F8E6-88CB-ADE7C5246AE0}"/>
               </a:ext>
             </a:extLst>
           </p:cNvPr>
@@ -1949,7 +1949,7 @@
           <a:bodyPr/>
           <a:lstStyle/>
           <a:p>
-            <a:fld id="{AA78EA71-7878-477C-8611-BCBF45A12E57}" type="datetimeFigureOut">
+            <a:fld id="{B464C0B6-8075-452B-812F-6537DB222A3C}" type="datetimeFigureOut">
               <a:rPr lang="zh-CN" altLang="en-US" smtClean="0"/>
               <a:t>2024/3/10</a:t>
             </a:fld>
@@ -1962,7 +1962,7 @@
           <p:cNvPr id="4" name="页脚占位符 3">
             <a:extLst>
               <a:ext uri="{FF2B5EF4-FFF2-40B4-BE49-F238E27FC236}">
-                <a16:creationId xmlns:a16="http://schemas.microsoft.com/office/drawing/2014/main" id="{1DE606E5-CEE8-E6C7-4B42-49BD384A95EC}"/>
+                <a16:creationId xmlns:a16="http://schemas.microsoft.com/office/drawing/2014/main" id="{0B4F1A18-B2CF-9AE1-1A77-9C9A29611F02}"/>
               </a:ext>
             </a:extLst>
           </p:cNvPr>
@@ -1987,7 +1987,7 @@
           <p:cNvPr id="5" name="灯片编号占位符 4">
             <a:extLst>
               <a:ext uri="{FF2B5EF4-FFF2-40B4-BE49-F238E27FC236}">
-                <a16:creationId xmlns:a16="http://schemas.microsoft.com/office/drawing/2014/main" id="{BCE47B77-DF24-9449-FA06-EDCA901A597F}"/>
+                <a16:creationId xmlns:a16="http://schemas.microsoft.com/office/drawing/2014/main" id="{CB8207E7-8F00-1389-ECA5-EF92298114D0}"/>
               </a:ext>
             </a:extLst>
           </p:cNvPr>
@@ -2003,7 +2003,7 @@
           <a:bodyPr/>
           <a:lstStyle/>
           <a:p>
-            <a:fld id="{449842C2-5904-463D-A2CD-9F1E85D362E7}" type="slidenum">
+            <a:fld id="{FBD0DCAF-DB4A-430F-BBC3-AC4AC5EFB682}" type="slidenum">
               <a:rPr lang="zh-CN" altLang="en-US" smtClean="0"/>
               <a:t>‹#›</a:t>
             </a:fld>
@@ -2014,7 +2014,7 @@
     </p:spTree>
     <p:extLst>
       <p:ext uri="{BB962C8B-B14F-4D97-AF65-F5344CB8AC3E}">
-        <p14:creationId xmlns:p14="http://schemas.microsoft.com/office/powerpoint/2010/main" val="1979132423"/>
+        <p14:creationId xmlns:p14="http://schemas.microsoft.com/office/powerpoint/2010/main" val="885086565"/>
       </p:ext>
     </p:extLst>
   </p:cSld>
@@ -2046,7 +2046,7 @@
           <p:cNvPr id="2" name="日期占位符 1">
             <a:extLst>
               <a:ext uri="{FF2B5EF4-FFF2-40B4-BE49-F238E27FC236}">
-                <a16:creationId xmlns:a16="http://schemas.microsoft.com/office/drawing/2014/main" id="{4B581FB6-4708-2DDA-97CF-93EB862382F4}"/>
+                <a16:creationId xmlns:a16="http://schemas.microsoft.com/office/drawing/2014/main" id="{2255FF25-9F49-1E83-1DB3-A0391085C5AB}"/>
               </a:ext>
             </a:extLst>
           </p:cNvPr>
@@ -2062,7 +2062,7 @@
           <a:bodyPr/>
           <a:lstStyle/>
           <a:p>
-            <a:fld id="{AA78EA71-7878-477C-8611-BCBF45A12E57}" type="datetimeFigureOut">
+            <a:fld id="{B464C0B6-8075-452B-812F-6537DB222A3C}" type="datetimeFigureOut">
               <a:rPr lang="zh-CN" altLang="en-US" smtClean="0"/>
               <a:t>2024/3/10</a:t>
             </a:fld>
@@ -2075,7 +2075,7 @@
           <p:cNvPr id="3" name="页脚占位符 2">
             <a:extLst>
               <a:ext uri="{FF2B5EF4-FFF2-40B4-BE49-F238E27FC236}">
-                <a16:creationId xmlns:a16="http://schemas.microsoft.com/office/drawing/2014/main" id="{57D59CBC-36CA-9861-3197-CE74D47CF782}"/>
+                <a16:creationId xmlns:a16="http://schemas.microsoft.com/office/drawing/2014/main" id="{5A4DB8DC-0075-9A1B-807B-E035C52F45F9}"/>
               </a:ext>
             </a:extLst>
           </p:cNvPr>
@@ -2100,7 +2100,7 @@
           <p:cNvPr id="4" name="灯片编号占位符 3">
             <a:extLst>
               <a:ext uri="{FF2B5EF4-FFF2-40B4-BE49-F238E27FC236}">
-                <a16:creationId xmlns:a16="http://schemas.microsoft.com/office/drawing/2014/main" id="{C56D573B-74B6-AF8A-0C5A-751C077D6365}"/>
+                <a16:creationId xmlns:a16="http://schemas.microsoft.com/office/drawing/2014/main" id="{FD888865-4A5B-60CA-68D0-1CCA9656A3F1}"/>
               </a:ext>
             </a:extLst>
           </p:cNvPr>
@@ -2116,7 +2116,7 @@
           <a:bodyPr/>
           <a:lstStyle/>
           <a:p>
-            <a:fld id="{449842C2-5904-463D-A2CD-9F1E85D362E7}" type="slidenum">
+            <a:fld id="{FBD0DCAF-DB4A-430F-BBC3-AC4AC5EFB682}" type="slidenum">
               <a:rPr lang="zh-CN" altLang="en-US" smtClean="0"/>
               <a:t>‹#›</a:t>
             </a:fld>
@@ -2127,7 +2127,7 @@
     </p:spTree>
     <p:extLst>
       <p:ext uri="{BB962C8B-B14F-4D97-AF65-F5344CB8AC3E}">
-        <p14:creationId xmlns:p14="http://schemas.microsoft.com/office/powerpoint/2010/main" val="602354703"/>
+        <p14:creationId xmlns:p14="http://schemas.microsoft.com/office/powerpoint/2010/main" val="1757950951"/>
       </p:ext>
     </p:extLst>
   </p:cSld>
@@ -2159,7 +2159,7 @@
           <p:cNvPr id="2" name="标题 1">
             <a:extLst>
               <a:ext uri="{FF2B5EF4-FFF2-40B4-BE49-F238E27FC236}">
-                <a16:creationId xmlns:a16="http://schemas.microsoft.com/office/drawing/2014/main" id="{4B1CBA72-95E4-6D06-7970-598DDF6CB103}"/>
+                <a16:creationId xmlns:a16="http://schemas.microsoft.com/office/drawing/2014/main" id="{EA6D759D-2C63-9E9B-4EDF-633A78CABC1D}"/>
               </a:ext>
             </a:extLst>
           </p:cNvPr>
@@ -2196,7 +2196,7 @@
           <p:cNvPr id="3" name="内容占位符 2">
             <a:extLst>
               <a:ext uri="{FF2B5EF4-FFF2-40B4-BE49-F238E27FC236}">
-                <a16:creationId xmlns:a16="http://schemas.microsoft.com/office/drawing/2014/main" id="{1ADE683D-1CA2-84A8-9B81-59EBD0A2A2C4}"/>
+                <a16:creationId xmlns:a16="http://schemas.microsoft.com/office/drawing/2014/main" id="{12CF16B8-013A-0E9F-49C6-93CA4DDE4A4F}"/>
               </a:ext>
             </a:extLst>
           </p:cNvPr>
@@ -2286,7 +2286,7 @@
           <p:cNvPr id="4" name="文本占位符 3">
             <a:extLst>
               <a:ext uri="{FF2B5EF4-FFF2-40B4-BE49-F238E27FC236}">
-                <a16:creationId xmlns:a16="http://schemas.microsoft.com/office/drawing/2014/main" id="{A1C0504C-AF82-8DA0-BDD5-EBA8ABF55758}"/>
+                <a16:creationId xmlns:a16="http://schemas.microsoft.com/office/drawing/2014/main" id="{0979E9E6-C05D-A4E8-CB4D-E14050F7304B}"/>
               </a:ext>
             </a:extLst>
           </p:cNvPr>
@@ -2357,7 +2357,7 @@
           <p:cNvPr id="5" name="日期占位符 4">
             <a:extLst>
               <a:ext uri="{FF2B5EF4-FFF2-40B4-BE49-F238E27FC236}">
-                <a16:creationId xmlns:a16="http://schemas.microsoft.com/office/drawing/2014/main" id="{03E51F71-4BB3-47A5-1CA3-B64A1013421B}"/>
+                <a16:creationId xmlns:a16="http://schemas.microsoft.com/office/drawing/2014/main" id="{5B5C031E-34F1-C4C6-B181-37BF4B6D7837}"/>
               </a:ext>
             </a:extLst>
           </p:cNvPr>
@@ -2373,7 +2373,7 @@
           <a:bodyPr/>
           <a:lstStyle/>
           <a:p>
-            <a:fld id="{AA78EA71-7878-477C-8611-BCBF45A12E57}" type="datetimeFigureOut">
+            <a:fld id="{B464C0B6-8075-452B-812F-6537DB222A3C}" type="datetimeFigureOut">
               <a:rPr lang="zh-CN" altLang="en-US" smtClean="0"/>
               <a:t>2024/3/10</a:t>
             </a:fld>
@@ -2386,7 +2386,7 @@
           <p:cNvPr id="6" name="页脚占位符 5">
             <a:extLst>
               <a:ext uri="{FF2B5EF4-FFF2-40B4-BE49-F238E27FC236}">
-                <a16:creationId xmlns:a16="http://schemas.microsoft.com/office/drawing/2014/main" id="{16741785-49F9-E6CD-7645-933342324F7D}"/>
+                <a16:creationId xmlns:a16="http://schemas.microsoft.com/office/drawing/2014/main" id="{BAFD1DB6-7FE7-C900-B7D1-053E49A1E27B}"/>
               </a:ext>
             </a:extLst>
           </p:cNvPr>
@@ -2411,7 +2411,7 @@
           <p:cNvPr id="7" name="灯片编号占位符 6">
             <a:extLst>
               <a:ext uri="{FF2B5EF4-FFF2-40B4-BE49-F238E27FC236}">
-                <a16:creationId xmlns:a16="http://schemas.microsoft.com/office/drawing/2014/main" id="{D216DBEB-7A56-4326-9F73-3F16BCB21A1C}"/>
+                <a16:creationId xmlns:a16="http://schemas.microsoft.com/office/drawing/2014/main" id="{4BF5BEAD-0C9A-0214-1F98-772040231DDE}"/>
               </a:ext>
             </a:extLst>
           </p:cNvPr>
@@ -2427,7 +2427,7 @@
           <a:bodyPr/>
           <a:lstStyle/>
           <a:p>
-            <a:fld id="{449842C2-5904-463D-A2CD-9F1E85D362E7}" type="slidenum">
+            <a:fld id="{FBD0DCAF-DB4A-430F-BBC3-AC4AC5EFB682}" type="slidenum">
               <a:rPr lang="zh-CN" altLang="en-US" smtClean="0"/>
               <a:t>‹#›</a:t>
             </a:fld>
@@ -2438,7 +2438,7 @@
     </p:spTree>
     <p:extLst>
       <p:ext uri="{BB962C8B-B14F-4D97-AF65-F5344CB8AC3E}">
-        <p14:creationId xmlns:p14="http://schemas.microsoft.com/office/powerpoint/2010/main" val="4293362633"/>
+        <p14:creationId xmlns:p14="http://schemas.microsoft.com/office/powerpoint/2010/main" val="2974800557"/>
       </p:ext>
     </p:extLst>
   </p:cSld>
@@ -2470,7 +2470,7 @@
           <p:cNvPr id="2" name="标题 1">
             <a:extLst>
               <a:ext uri="{FF2B5EF4-FFF2-40B4-BE49-F238E27FC236}">
-                <a16:creationId xmlns:a16="http://schemas.microsoft.com/office/drawing/2014/main" id="{3601958A-DB8D-48C7-5D67-92712975D93B}"/>
+                <a16:creationId xmlns:a16="http://schemas.microsoft.com/office/drawing/2014/main" id="{B5A0DFAD-8538-5BA9-D42F-C9638F1DDB61}"/>
               </a:ext>
             </a:extLst>
           </p:cNvPr>
@@ -2507,7 +2507,7 @@
           <p:cNvPr id="3" name="图片占位符 2">
             <a:extLst>
               <a:ext uri="{FF2B5EF4-FFF2-40B4-BE49-F238E27FC236}">
-                <a16:creationId xmlns:a16="http://schemas.microsoft.com/office/drawing/2014/main" id="{2D431703-C9BF-3122-68EF-2FB5EE53B617}"/>
+                <a16:creationId xmlns:a16="http://schemas.microsoft.com/office/drawing/2014/main" id="{5CFEBD15-918A-D23A-E92D-19CC66D422C0}"/>
               </a:ext>
             </a:extLst>
           </p:cNvPr>
@@ -2574,7 +2574,7 @@
           <p:cNvPr id="4" name="文本占位符 3">
             <a:extLst>
               <a:ext uri="{FF2B5EF4-FFF2-40B4-BE49-F238E27FC236}">
-                <a16:creationId xmlns:a16="http://schemas.microsoft.com/office/drawing/2014/main" id="{134D5246-7CDC-D11C-7E5B-48D0BA5D6794}"/>
+                <a16:creationId xmlns:a16="http://schemas.microsoft.com/office/drawing/2014/main" id="{62743A9F-83AE-8444-473C-44F4F09CC80F}"/>
               </a:ext>
             </a:extLst>
           </p:cNvPr>
@@ -2645,7 +2645,7 @@
           <p:cNvPr id="5" name="日期占位符 4">
             <a:extLst>
               <a:ext uri="{FF2B5EF4-FFF2-40B4-BE49-F238E27FC236}">
-                <a16:creationId xmlns:a16="http://schemas.microsoft.com/office/drawing/2014/main" id="{B97E6956-2FE9-B88E-C73B-9FEDDE2ECCF9}"/>
+                <a16:creationId xmlns:a16="http://schemas.microsoft.com/office/drawing/2014/main" id="{0480D497-B874-68AD-2AE8-3009CA61B0FE}"/>
               </a:ext>
             </a:extLst>
           </p:cNvPr>
@@ -2661,7 +2661,7 @@
           <a:bodyPr/>
           <a:lstStyle/>
           <a:p>
-            <a:fld id="{AA78EA71-7878-477C-8611-BCBF45A12E57}" type="datetimeFigureOut">
+            <a:fld id="{B464C0B6-8075-452B-812F-6537DB222A3C}" type="datetimeFigureOut">
               <a:rPr lang="zh-CN" altLang="en-US" smtClean="0"/>
               <a:t>2024/3/10</a:t>
             </a:fld>
@@ -2674,7 +2674,7 @@
           <p:cNvPr id="6" name="页脚占位符 5">
             <a:extLst>
               <a:ext uri="{FF2B5EF4-FFF2-40B4-BE49-F238E27FC236}">
-                <a16:creationId xmlns:a16="http://schemas.microsoft.com/office/drawing/2014/main" id="{6802AAD7-1F3E-98E0-7E2F-FD583804CB26}"/>
+                <a16:creationId xmlns:a16="http://schemas.microsoft.com/office/drawing/2014/main" id="{3203769F-D779-EE20-C740-566AF37EB3EE}"/>
               </a:ext>
             </a:extLst>
           </p:cNvPr>
@@ -2699,7 +2699,7 @@
           <p:cNvPr id="7" name="灯片编号占位符 6">
             <a:extLst>
               <a:ext uri="{FF2B5EF4-FFF2-40B4-BE49-F238E27FC236}">
-                <a16:creationId xmlns:a16="http://schemas.microsoft.com/office/drawing/2014/main" id="{EE088E49-CA9A-5388-90EA-69ED145AA564}"/>
+                <a16:creationId xmlns:a16="http://schemas.microsoft.com/office/drawing/2014/main" id="{120BCDDE-78B0-BCC3-0AB5-03C108686314}"/>
               </a:ext>
             </a:extLst>
           </p:cNvPr>
@@ -2715,7 +2715,7 @@
           <a:bodyPr/>
           <a:lstStyle/>
           <a:p>
-            <a:fld id="{449842C2-5904-463D-A2CD-9F1E85D362E7}" type="slidenum">
+            <a:fld id="{FBD0DCAF-DB4A-430F-BBC3-AC4AC5EFB682}" type="slidenum">
               <a:rPr lang="zh-CN" altLang="en-US" smtClean="0"/>
               <a:t>‹#›</a:t>
             </a:fld>
@@ -2726,7 +2726,7 @@
     </p:spTree>
     <p:extLst>
       <p:ext uri="{BB962C8B-B14F-4D97-AF65-F5344CB8AC3E}">
-        <p14:creationId xmlns:p14="http://schemas.microsoft.com/office/powerpoint/2010/main" val="3050850016"/>
+        <p14:creationId xmlns:p14="http://schemas.microsoft.com/office/powerpoint/2010/main" val="2500232797"/>
       </p:ext>
     </p:extLst>
   </p:cSld>
@@ -2763,7 +2763,7 @@
           <p:cNvPr id="2" name="标题占位符 1">
             <a:extLst>
               <a:ext uri="{FF2B5EF4-FFF2-40B4-BE49-F238E27FC236}">
-                <a16:creationId xmlns:a16="http://schemas.microsoft.com/office/drawing/2014/main" id="{B44FB10D-0963-F263-37CE-20762A28FDE0}"/>
+                <a16:creationId xmlns:a16="http://schemas.microsoft.com/office/drawing/2014/main" id="{B0D468D8-4641-2FEB-F2FA-3D84C8FB9F23}"/>
               </a:ext>
             </a:extLst>
           </p:cNvPr>
@@ -2801,7 +2801,7 @@
           <p:cNvPr id="3" name="文本占位符 2">
             <a:extLst>
               <a:ext uri="{FF2B5EF4-FFF2-40B4-BE49-F238E27FC236}">
-                <a16:creationId xmlns:a16="http://schemas.microsoft.com/office/drawing/2014/main" id="{3C77B633-BB0A-5F02-C827-C46F1A1B4DD6}"/>
+                <a16:creationId xmlns:a16="http://schemas.microsoft.com/office/drawing/2014/main" id="{2FD13590-0DA9-FC5E-BD24-7590878E958C}"/>
               </a:ext>
             </a:extLst>
           </p:cNvPr>
@@ -2868,7 +2868,7 @@
           <p:cNvPr id="4" name="日期占位符 3">
             <a:extLst>
               <a:ext uri="{FF2B5EF4-FFF2-40B4-BE49-F238E27FC236}">
-                <a16:creationId xmlns:a16="http://schemas.microsoft.com/office/drawing/2014/main" id="{99E25574-4EFC-2C7C-12E3-9BD253153427}"/>
+                <a16:creationId xmlns:a16="http://schemas.microsoft.com/office/drawing/2014/main" id="{1F6830DA-8446-AFF0-1517-78AB81ECC426}"/>
               </a:ext>
             </a:extLst>
           </p:cNvPr>
@@ -2902,7 +2902,7 @@
             </a:lvl1pPr>
           </a:lstStyle>
           <a:p>
-            <a:fld id="{AA78EA71-7878-477C-8611-BCBF45A12E57}" type="datetimeFigureOut">
+            <a:fld id="{B464C0B6-8075-452B-812F-6537DB222A3C}" type="datetimeFigureOut">
               <a:rPr lang="zh-CN" altLang="en-US" smtClean="0"/>
               <a:t>2024/3/10</a:t>
             </a:fld>
@@ -2915,7 +2915,7 @@
           <p:cNvPr id="5" name="页脚占位符 4">
             <a:extLst>
               <a:ext uri="{FF2B5EF4-FFF2-40B4-BE49-F238E27FC236}">
-                <a16:creationId xmlns:a16="http://schemas.microsoft.com/office/drawing/2014/main" id="{9BD220A4-E738-4393-1D2E-E13AAD95A23D}"/>
+                <a16:creationId xmlns:a16="http://schemas.microsoft.com/office/drawing/2014/main" id="{EC215E38-D952-B7C5-F070-7A4C59289336}"/>
               </a:ext>
             </a:extLst>
           </p:cNvPr>
@@ -2958,7 +2958,7 @@
           <p:cNvPr id="6" name="灯片编号占位符 5">
             <a:extLst>
               <a:ext uri="{FF2B5EF4-FFF2-40B4-BE49-F238E27FC236}">
-                <a16:creationId xmlns:a16="http://schemas.microsoft.com/office/drawing/2014/main" id="{AFAE092A-16F5-2AA4-0FCC-D437CAFA534B}"/>
+                <a16:creationId xmlns:a16="http://schemas.microsoft.com/office/drawing/2014/main" id="{A03E5E7E-C78D-117B-29DF-0FA20951D0A0}"/>
               </a:ext>
             </a:extLst>
           </p:cNvPr>
@@ -2992,7 +2992,7 @@
             </a:lvl1pPr>
           </a:lstStyle>
           <a:p>
-            <a:fld id="{449842C2-5904-463D-A2CD-9F1E85D362E7}" type="slidenum">
+            <a:fld id="{FBD0DCAF-DB4A-430F-BBC3-AC4AC5EFB682}" type="slidenum">
               <a:rPr lang="zh-CN" altLang="en-US" smtClean="0"/>
               <a:t>‹#›</a:t>
             </a:fld>
@@ -3003,7 +3003,7 @@
     </p:spTree>
     <p:extLst>
       <p:ext uri="{BB962C8B-B14F-4D97-AF65-F5344CB8AC3E}">
-        <p14:creationId xmlns:p14="http://schemas.microsoft.com/office/powerpoint/2010/main" val="1384220925"/>
+        <p14:creationId xmlns:p14="http://schemas.microsoft.com/office/powerpoint/2010/main" val="34956399"/>
       </p:ext>
     </p:extLst>
   </p:cSld>
